--- a/gr2_lhj/FAQ.pptx
+++ b/gr2_lhj/FAQ.pptx
@@ -5,11 +5,12 @@
     <p:sldMasterId id="2147483648" r:id="rId1"/>
   </p:sldMasterIdLst>
   <p:notesMasterIdLst>
-    <p:notesMasterId r:id="rId4"/>
+    <p:notesMasterId r:id="rId5"/>
   </p:notesMasterIdLst>
   <p:sldIdLst>
     <p:sldId id="257" r:id="rId2"/>
     <p:sldId id="258" r:id="rId3"/>
+    <p:sldId id="259" r:id="rId4"/>
   </p:sldIdLst>
   <p:sldSz cx="12192000" cy="6858000"/>
   <p:notesSz cx="6858000" cy="9144000"/>
@@ -710,6 +711,133 @@
     <p:extLst>
       <p:ext uri="{BB962C8B-B14F-4D97-AF65-F5344CB8AC3E}">
         <p14:creationId xmlns:p14="http://schemas.microsoft.com/office/powerpoint/2010/main" val="168975739"/>
+      </p:ext>
+    </p:extLst>
+  </p:cSld>
+  <p:clrMapOvr>
+    <a:masterClrMapping/>
+  </p:clrMapOvr>
+</p:notes>
+</file>
+
+<file path=ppt/notesSlides/notesSlide3.xml><?xml version="1.0" encoding="utf-8"?>
+<p:notes xmlns:a="http://schemas.openxmlformats.org/drawingml/2006/main" xmlns:r="http://schemas.openxmlformats.org/officeDocument/2006/relationships" xmlns:p="http://schemas.openxmlformats.org/presentationml/2006/main" showMasterSp="0" showMasterPhAnim="0">
+  <p:cSld>
+    <p:spTree>
+      <p:nvGrpSpPr>
+        <p:cNvPr id="1" name="Shape 87"/>
+        <p:cNvGrpSpPr/>
+        <p:nvPr/>
+      </p:nvGrpSpPr>
+      <p:grpSpPr>
+        <a:xfrm>
+          <a:off x="0" y="0"/>
+          <a:ext cx="0" cy="0"/>
+          <a:chOff x="0" y="0"/>
+          <a:chExt cx="0" cy="0"/>
+        </a:xfrm>
+      </p:grpSpPr>
+      <p:sp>
+        <p:nvSpPr>
+          <p:cNvPr id="88" name="Google Shape;88;g7c553259d1_0_3:notes"/>
+          <p:cNvSpPr txBox="1">
+            <a:spLocks noGrp="1"/>
+          </p:cNvSpPr>
+          <p:nvPr>
+            <p:ph type="body" idx="1"/>
+          </p:nvPr>
+        </p:nvSpPr>
+        <p:spPr>
+          <a:xfrm>
+            <a:off x="685800" y="4343400"/>
+            <a:ext cx="5486400" cy="4114800"/>
+          </a:xfrm>
+          <a:prstGeom prst="rect">
+            <a:avLst/>
+          </a:prstGeom>
+          <a:noFill/>
+          <a:ln>
+            <a:noFill/>
+          </a:ln>
+        </p:spPr>
+        <p:txBody>
+          <a:bodyPr spcFirstLastPara="1" wrap="square" lIns="91425" tIns="91425" rIns="91425" bIns="91425" anchor="t" anchorCtr="0">
+            <a:noAutofit/>
+          </a:bodyPr>
+          <a:lstStyle/>
+          <a:p>
+            <a:pPr marL="0" lvl="0" indent="0" algn="l" rtl="0">
+              <a:lnSpc>
+                <a:spcPct val="100000"/>
+              </a:lnSpc>
+              <a:spcBef>
+                <a:spcPts val="0"/>
+              </a:spcBef>
+              <a:spcAft>
+                <a:spcPts val="0"/>
+              </a:spcAft>
+              <a:buSzPts val="1100"/>
+              <a:buNone/>
+            </a:pPr>
+            <a:endParaRPr/>
+          </a:p>
+        </p:txBody>
+      </p:sp>
+      <p:sp>
+        <p:nvSpPr>
+          <p:cNvPr id="89" name="Google Shape;89;g7c553259d1_0_3:notes"/>
+          <p:cNvSpPr>
+            <a:spLocks noGrp="1" noRot="1" noChangeAspect="1"/>
+          </p:cNvSpPr>
+          <p:nvPr>
+            <p:ph type="sldImg" idx="2"/>
+          </p:nvPr>
+        </p:nvSpPr>
+        <p:spPr>
+          <a:xfrm>
+            <a:off x="382588" y="685800"/>
+            <a:ext cx="6094412" cy="3429000"/>
+          </a:xfrm>
+          <a:custGeom>
+            <a:avLst/>
+            <a:gdLst/>
+            <a:ahLst/>
+            <a:cxnLst/>
+            <a:rect l="l" t="t" r="r" b="b"/>
+            <a:pathLst>
+              <a:path w="120000" h="120000" extrusionOk="0">
+                <a:moveTo>
+                  <a:pt x="0" y="0"/>
+                </a:moveTo>
+                <a:lnTo>
+                  <a:pt x="120000" y="0"/>
+                </a:lnTo>
+                <a:lnTo>
+                  <a:pt x="120000" y="120000"/>
+                </a:lnTo>
+                <a:lnTo>
+                  <a:pt x="0" y="120000"/>
+                </a:lnTo>
+                <a:close/>
+              </a:path>
+            </a:pathLst>
+          </a:custGeom>
+          <a:noFill/>
+          <a:ln w="9525" cap="flat" cmpd="sng">
+            <a:solidFill>
+              <a:srgbClr val="000000"/>
+            </a:solidFill>
+            <a:prstDash val="solid"/>
+            <a:round/>
+            <a:headEnd type="none" w="sm" len="sm"/>
+            <a:tailEnd type="none" w="sm" len="sm"/>
+          </a:ln>
+        </p:spPr>
+      </p:sp>
+    </p:spTree>
+    <p:extLst>
+      <p:ext uri="{BB962C8B-B14F-4D97-AF65-F5344CB8AC3E}">
+        <p14:creationId xmlns:p14="http://schemas.microsoft.com/office/powerpoint/2010/main" val="2379879022"/>
       </p:ext>
     </p:extLst>
   </p:cSld>
@@ -6867,6 +6995,1823 @@
     <p:extLst>
       <p:ext uri="{BB962C8B-B14F-4D97-AF65-F5344CB8AC3E}">
         <p14:creationId xmlns:p14="http://schemas.microsoft.com/office/powerpoint/2010/main" val="611156841"/>
+      </p:ext>
+    </p:extLst>
+  </p:cSld>
+  <p:clrMapOvr>
+    <a:masterClrMapping/>
+  </p:clrMapOvr>
+</p:sld>
+</file>
+
+<file path=ppt/slides/slide3.xml><?xml version="1.0" encoding="utf-8"?>
+<p:sld xmlns:a="http://schemas.openxmlformats.org/drawingml/2006/main" xmlns:r="http://schemas.openxmlformats.org/officeDocument/2006/relationships" xmlns:p="http://schemas.openxmlformats.org/presentationml/2006/main">
+  <p:cSld>
+    <p:spTree>
+      <p:nvGrpSpPr>
+        <p:cNvPr id="1" name="Shape 90"/>
+        <p:cNvGrpSpPr/>
+        <p:nvPr/>
+      </p:nvGrpSpPr>
+      <p:grpSpPr>
+        <a:xfrm>
+          <a:off x="0" y="0"/>
+          <a:ext cx="0" cy="0"/>
+          <a:chOff x="0" y="0"/>
+          <a:chExt cx="0" cy="0"/>
+        </a:xfrm>
+      </p:grpSpPr>
+      <p:graphicFrame>
+        <p:nvGraphicFramePr>
+          <p:cNvPr id="92" name="Google Shape;92;g7c553259d1_0_3"/>
+          <p:cNvGraphicFramePr/>
+          <p:nvPr>
+            <p:extLst>
+              <p:ext uri="{D42A27DB-BD31-4B8C-83A1-F6EECF244321}">
+                <p14:modId xmlns:p14="http://schemas.microsoft.com/office/powerpoint/2010/main" val="1591107942"/>
+              </p:ext>
+            </p:extLst>
+          </p:nvPr>
+        </p:nvGraphicFramePr>
+        <p:xfrm>
+          <a:off x="131604" y="115759"/>
+          <a:ext cx="3693699" cy="960150"/>
+        </p:xfrm>
+        <a:graphic>
+          <a:graphicData uri="http://schemas.openxmlformats.org/drawingml/2006/table">
+            <a:tbl>
+              <a:tblPr firstRow="1" bandRow="1">
+                <a:noFill/>
+              </a:tblPr>
+              <a:tblGrid>
+                <a:gridCol w="1549025">
+                  <a:extLst>
+                    <a:ext uri="{9D8B030D-6E8A-4147-A177-3AD203B41FA5}">
+                      <a16:colId xmlns:a16="http://schemas.microsoft.com/office/drawing/2014/main" val="20000"/>
+                    </a:ext>
+                  </a:extLst>
+                </a:gridCol>
+                <a:gridCol w="2144674">
+                  <a:extLst>
+                    <a:ext uri="{9D8B030D-6E8A-4147-A177-3AD203B41FA5}">
+                      <a16:colId xmlns:a16="http://schemas.microsoft.com/office/drawing/2014/main" val="20001"/>
+                    </a:ext>
+                  </a:extLst>
+                </a:gridCol>
+              </a:tblGrid>
+              <a:tr h="271225">
+                <a:tc>
+                  <a:txBody>
+                    <a:bodyPr/>
+                    <a:lstStyle/>
+                    <a:p>
+                      <a:pPr marL="0" marR="0" lvl="0" indent="0" algn="ctr" rtl="0">
+                        <a:lnSpc>
+                          <a:spcPct val="100000"/>
+                        </a:lnSpc>
+                        <a:spcBef>
+                          <a:spcPts val="0"/>
+                        </a:spcBef>
+                        <a:spcAft>
+                          <a:spcPts val="0"/>
+                        </a:spcAft>
+                        <a:buClr>
+                          <a:srgbClr val="000000"/>
+                        </a:buClr>
+                        <a:buSzPts val="1500"/>
+                        <a:buFont typeface="Arial"/>
+                        <a:buNone/>
+                      </a:pPr>
+                      <a:r>
+                        <a:rPr lang="ko-KR" sz="1500" b="0" u="none" strike="noStrike" cap="none" dirty="0">
+                          <a:solidFill>
+                            <a:schemeClr val="dk1"/>
+                          </a:solidFill>
+                        </a:rPr>
+                        <a:t>화면코드</a:t>
+                      </a:r>
+                      <a:endParaRPr sz="1500" b="0" u="none" strike="noStrike" cap="none" dirty="0">
+                        <a:solidFill>
+                          <a:schemeClr val="dk1"/>
+                        </a:solidFill>
+                      </a:endParaRPr>
+                    </a:p>
+                  </a:txBody>
+                  <a:tcPr marL="91451" marR="91451" marT="45725" marB="45725" anchor="ctr">
+                    <a:lnL w="12700" cap="flat" cmpd="sng">
+                      <a:solidFill>
+                        <a:schemeClr val="dk1"/>
+                      </a:solidFill>
+                      <a:prstDash val="solid"/>
+                      <a:round/>
+                      <a:headEnd type="none" w="sm" len="sm"/>
+                      <a:tailEnd type="none" w="sm" len="sm"/>
+                    </a:lnL>
+                    <a:lnR w="12700" cap="flat" cmpd="sng">
+                      <a:solidFill>
+                        <a:schemeClr val="dk1"/>
+                      </a:solidFill>
+                      <a:prstDash val="solid"/>
+                      <a:round/>
+                      <a:headEnd type="none" w="sm" len="sm"/>
+                      <a:tailEnd type="none" w="sm" len="sm"/>
+                    </a:lnR>
+                    <a:lnT w="12700" cap="flat" cmpd="sng">
+                      <a:solidFill>
+                        <a:schemeClr val="dk1"/>
+                      </a:solidFill>
+                      <a:prstDash val="solid"/>
+                      <a:round/>
+                      <a:headEnd type="none" w="sm" len="sm"/>
+                      <a:tailEnd type="none" w="sm" len="sm"/>
+                    </a:lnT>
+                    <a:lnB w="12700" cap="flat" cmpd="sng">
+                      <a:solidFill>
+                        <a:schemeClr val="dk1"/>
+                      </a:solidFill>
+                      <a:prstDash val="solid"/>
+                      <a:round/>
+                      <a:headEnd type="none" w="sm" len="sm"/>
+                      <a:tailEnd type="none" w="sm" len="sm"/>
+                    </a:lnB>
+                    <a:solidFill>
+                      <a:srgbClr val="D8D8D8"/>
+                    </a:solidFill>
+                  </a:tcPr>
+                </a:tc>
+                <a:tc>
+                  <a:txBody>
+                    <a:bodyPr/>
+                    <a:lstStyle/>
+                    <a:p>
+                      <a:pPr marL="0" marR="0" lvl="0" indent="0" algn="ctr" rtl="0">
+                        <a:lnSpc>
+                          <a:spcPct val="100000"/>
+                        </a:lnSpc>
+                        <a:spcBef>
+                          <a:spcPts val="0"/>
+                        </a:spcBef>
+                        <a:spcAft>
+                          <a:spcPts val="0"/>
+                        </a:spcAft>
+                        <a:buClr>
+                          <a:srgbClr val="000000"/>
+                        </a:buClr>
+                        <a:buSzPts val="1500"/>
+                        <a:buFont typeface="Arial"/>
+                        <a:buNone/>
+                      </a:pPr>
+                      <a:endParaRPr sz="1100" b="0" u="none" strike="noStrike" cap="none" dirty="0">
+                        <a:solidFill>
+                          <a:schemeClr val="dk1"/>
+                        </a:solidFill>
+                      </a:endParaRPr>
+                    </a:p>
+                  </a:txBody>
+                  <a:tcPr marL="91451" marR="91451" marT="45725" marB="45725" anchor="ctr">
+                    <a:lnL w="12700" cap="flat" cmpd="sng">
+                      <a:solidFill>
+                        <a:schemeClr val="dk1"/>
+                      </a:solidFill>
+                      <a:prstDash val="solid"/>
+                      <a:round/>
+                      <a:headEnd type="none" w="sm" len="sm"/>
+                      <a:tailEnd type="none" w="sm" len="sm"/>
+                    </a:lnL>
+                    <a:lnR w="12700" cap="flat" cmpd="sng">
+                      <a:solidFill>
+                        <a:schemeClr val="dk1"/>
+                      </a:solidFill>
+                      <a:prstDash val="solid"/>
+                      <a:round/>
+                      <a:headEnd type="none" w="sm" len="sm"/>
+                      <a:tailEnd type="none" w="sm" len="sm"/>
+                    </a:lnR>
+                    <a:lnT w="12700" cap="flat" cmpd="sng">
+                      <a:solidFill>
+                        <a:schemeClr val="dk1"/>
+                      </a:solidFill>
+                      <a:prstDash val="solid"/>
+                      <a:round/>
+                      <a:headEnd type="none" w="sm" len="sm"/>
+                      <a:tailEnd type="none" w="sm" len="sm"/>
+                    </a:lnT>
+                    <a:lnB w="12700" cap="flat" cmpd="sng">
+                      <a:solidFill>
+                        <a:schemeClr val="dk1"/>
+                      </a:solidFill>
+                      <a:prstDash val="solid"/>
+                      <a:round/>
+                      <a:headEnd type="none" w="sm" len="sm"/>
+                      <a:tailEnd type="none" w="sm" len="sm"/>
+                    </a:lnB>
+                    <a:solidFill>
+                      <a:schemeClr val="lt1"/>
+                    </a:solidFill>
+                  </a:tcPr>
+                </a:tc>
+                <a:extLst>
+                  <a:ext uri="{0D108BD9-81ED-4DB2-BD59-A6C34878D82A}">
+                    <a16:rowId xmlns:a16="http://schemas.microsoft.com/office/drawing/2014/main" val="10000"/>
+                  </a:ext>
+                </a:extLst>
+              </a:tr>
+              <a:tr h="271225">
+                <a:tc rowSpan="2">
+                  <a:txBody>
+                    <a:bodyPr/>
+                    <a:lstStyle/>
+                    <a:p>
+                      <a:pPr marL="0" marR="0" lvl="0" indent="0" algn="ctr" rtl="0">
+                        <a:lnSpc>
+                          <a:spcPct val="100000"/>
+                        </a:lnSpc>
+                        <a:spcBef>
+                          <a:spcPts val="0"/>
+                        </a:spcBef>
+                        <a:spcAft>
+                          <a:spcPts val="0"/>
+                        </a:spcAft>
+                        <a:buClr>
+                          <a:srgbClr val="000000"/>
+                        </a:buClr>
+                        <a:buSzPts val="1500"/>
+                        <a:buFont typeface="Arial"/>
+                        <a:buNone/>
+                      </a:pPr>
+                      <a:r>
+                        <a:rPr lang="ko-KR" sz="1500" b="0" u="none" strike="noStrike" cap="none">
+                          <a:solidFill>
+                            <a:schemeClr val="dk1"/>
+                          </a:solidFill>
+                        </a:rPr>
+                        <a:t>화면명</a:t>
+                      </a:r>
+                      <a:endParaRPr sz="1500" b="0" u="none" strike="noStrike" cap="none">
+                        <a:solidFill>
+                          <a:schemeClr val="dk1"/>
+                        </a:solidFill>
+                      </a:endParaRPr>
+                    </a:p>
+                  </a:txBody>
+                  <a:tcPr marL="91451" marR="91451" marT="45725" marB="45725" anchor="ctr">
+                    <a:lnL w="12700" cap="flat" cmpd="sng">
+                      <a:solidFill>
+                        <a:schemeClr val="dk1"/>
+                      </a:solidFill>
+                      <a:prstDash val="solid"/>
+                      <a:round/>
+                      <a:headEnd type="none" w="sm" len="sm"/>
+                      <a:tailEnd type="none" w="sm" len="sm"/>
+                    </a:lnL>
+                    <a:lnR w="12700" cap="flat" cmpd="sng">
+                      <a:solidFill>
+                        <a:schemeClr val="dk1"/>
+                      </a:solidFill>
+                      <a:prstDash val="solid"/>
+                      <a:round/>
+                      <a:headEnd type="none" w="sm" len="sm"/>
+                      <a:tailEnd type="none" w="sm" len="sm"/>
+                    </a:lnR>
+                    <a:lnT w="12700" cap="flat" cmpd="sng">
+                      <a:solidFill>
+                        <a:schemeClr val="dk1"/>
+                      </a:solidFill>
+                      <a:prstDash val="solid"/>
+                      <a:round/>
+                      <a:headEnd type="none" w="sm" len="sm"/>
+                      <a:tailEnd type="none" w="sm" len="sm"/>
+                    </a:lnT>
+                    <a:lnB w="12700" cap="flat" cmpd="sng">
+                      <a:solidFill>
+                        <a:schemeClr val="dk1"/>
+                      </a:solidFill>
+                      <a:prstDash val="solid"/>
+                      <a:round/>
+                      <a:headEnd type="none" w="sm" len="sm"/>
+                      <a:tailEnd type="none" w="sm" len="sm"/>
+                    </a:lnB>
+                    <a:solidFill>
+                      <a:srgbClr val="D8D8D8"/>
+                    </a:solidFill>
+                  </a:tcPr>
+                </a:tc>
+                <a:tc>
+                  <a:txBody>
+                    <a:bodyPr/>
+                    <a:lstStyle/>
+                    <a:p>
+                      <a:pPr marL="0" marR="0" lvl="0" indent="0" algn="ctr" rtl="0">
+                        <a:lnSpc>
+                          <a:spcPct val="100000"/>
+                        </a:lnSpc>
+                        <a:spcBef>
+                          <a:spcPts val="0"/>
+                        </a:spcBef>
+                        <a:spcAft>
+                          <a:spcPts val="0"/>
+                        </a:spcAft>
+                        <a:buClr>
+                          <a:srgbClr val="000000"/>
+                        </a:buClr>
+                        <a:buSzPts val="1500"/>
+                        <a:buFont typeface="Arial"/>
+                        <a:buNone/>
+                      </a:pPr>
+                      <a:r>
+                        <a:rPr lang="en-US" altLang="ko-KR" sz="1500" b="0" u="none" strike="noStrike" cap="none" dirty="0">
+                          <a:solidFill>
+                            <a:schemeClr val="dk1"/>
+                          </a:solidFill>
+                        </a:rPr>
+                        <a:t>FAQ</a:t>
+                      </a:r>
+                      <a:r>
+                        <a:rPr lang="ko-KR" altLang="en-US" sz="1500" b="0" u="none" strike="noStrike" cap="none" dirty="0">
+                          <a:solidFill>
+                            <a:schemeClr val="dk1"/>
+                          </a:solidFill>
+                        </a:rPr>
+                        <a:t> 모바일</a:t>
+                      </a:r>
+                      <a:endParaRPr sz="1500" b="0" u="none" strike="noStrike" cap="none" dirty="0">
+                        <a:solidFill>
+                          <a:schemeClr val="dk1"/>
+                        </a:solidFill>
+                      </a:endParaRPr>
+                    </a:p>
+                  </a:txBody>
+                  <a:tcPr marL="91451" marR="91451" marT="45725" marB="45725" anchor="ctr">
+                    <a:lnL w="12700" cap="flat" cmpd="sng">
+                      <a:solidFill>
+                        <a:schemeClr val="dk1"/>
+                      </a:solidFill>
+                      <a:prstDash val="solid"/>
+                      <a:round/>
+                      <a:headEnd type="none" w="sm" len="sm"/>
+                      <a:tailEnd type="none" w="sm" len="sm"/>
+                    </a:lnL>
+                    <a:lnR w="12700" cap="flat" cmpd="sng">
+                      <a:solidFill>
+                        <a:schemeClr val="dk1"/>
+                      </a:solidFill>
+                      <a:prstDash val="solid"/>
+                      <a:round/>
+                      <a:headEnd type="none" w="sm" len="sm"/>
+                      <a:tailEnd type="none" w="sm" len="sm"/>
+                    </a:lnR>
+                    <a:lnT w="12700" cap="flat" cmpd="sng">
+                      <a:solidFill>
+                        <a:schemeClr val="dk1"/>
+                      </a:solidFill>
+                      <a:prstDash val="solid"/>
+                      <a:round/>
+                      <a:headEnd type="none" w="sm" len="sm"/>
+                      <a:tailEnd type="none" w="sm" len="sm"/>
+                    </a:lnT>
+                    <a:lnB w="12700" cap="flat" cmpd="sng">
+                      <a:solidFill>
+                        <a:schemeClr val="dk1"/>
+                      </a:solidFill>
+                      <a:prstDash val="solid"/>
+                      <a:round/>
+                      <a:headEnd type="none" w="sm" len="sm"/>
+                      <a:tailEnd type="none" w="sm" len="sm"/>
+                    </a:lnB>
+                    <a:solidFill>
+                      <a:schemeClr val="lt1"/>
+                    </a:solidFill>
+                  </a:tcPr>
+                </a:tc>
+                <a:extLst>
+                  <a:ext uri="{0D108BD9-81ED-4DB2-BD59-A6C34878D82A}">
+                    <a16:rowId xmlns:a16="http://schemas.microsoft.com/office/drawing/2014/main" val="10001"/>
+                  </a:ext>
+                </a:extLst>
+              </a:tr>
+              <a:tr h="271225">
+                <a:tc vMerge="1">
+                  <a:txBody>
+                    <a:bodyPr/>
+                    <a:lstStyle/>
+                    <a:p>
+                      <a:endParaRPr lang="ko-KR"/>
+                    </a:p>
+                  </a:txBody>
+                  <a:tcPr/>
+                </a:tc>
+                <a:tc>
+                  <a:txBody>
+                    <a:bodyPr/>
+                    <a:lstStyle/>
+                    <a:p>
+                      <a:pPr marL="0" marR="0" lvl="0" indent="0" algn="ctr" rtl="0">
+                        <a:lnSpc>
+                          <a:spcPct val="100000"/>
+                        </a:lnSpc>
+                        <a:spcBef>
+                          <a:spcPts val="0"/>
+                        </a:spcBef>
+                        <a:spcAft>
+                          <a:spcPts val="0"/>
+                        </a:spcAft>
+                        <a:buClr>
+                          <a:srgbClr val="000000"/>
+                        </a:buClr>
+                        <a:buSzPts val="1500"/>
+                        <a:buFont typeface="Arial"/>
+                        <a:buNone/>
+                      </a:pPr>
+                      <a:r>
+                        <a:rPr lang="ko-KR" altLang="en-US" sz="1500" b="0" u="none" strike="noStrike" cap="none" dirty="0">
+                          <a:solidFill>
+                            <a:schemeClr val="dk1"/>
+                          </a:solidFill>
+                        </a:rPr>
+                        <a:t>리스트</a:t>
+                      </a:r>
+                      <a:endParaRPr sz="1500" b="0" u="none" strike="noStrike" cap="none" dirty="0">
+                        <a:solidFill>
+                          <a:schemeClr val="dk1"/>
+                        </a:solidFill>
+                      </a:endParaRPr>
+                    </a:p>
+                  </a:txBody>
+                  <a:tcPr marL="91451" marR="91451" marT="45725" marB="45725" anchor="ctr">
+                    <a:lnL w="12700" cap="flat" cmpd="sng">
+                      <a:solidFill>
+                        <a:schemeClr val="dk1"/>
+                      </a:solidFill>
+                      <a:prstDash val="solid"/>
+                      <a:round/>
+                      <a:headEnd type="none" w="sm" len="sm"/>
+                      <a:tailEnd type="none" w="sm" len="sm"/>
+                    </a:lnL>
+                    <a:lnR w="12700" cap="flat" cmpd="sng">
+                      <a:solidFill>
+                        <a:schemeClr val="dk1"/>
+                      </a:solidFill>
+                      <a:prstDash val="solid"/>
+                      <a:round/>
+                      <a:headEnd type="none" w="sm" len="sm"/>
+                      <a:tailEnd type="none" w="sm" len="sm"/>
+                    </a:lnR>
+                    <a:lnT w="12700" cap="flat" cmpd="sng">
+                      <a:solidFill>
+                        <a:schemeClr val="dk1"/>
+                      </a:solidFill>
+                      <a:prstDash val="solid"/>
+                      <a:round/>
+                      <a:headEnd type="none" w="sm" len="sm"/>
+                      <a:tailEnd type="none" w="sm" len="sm"/>
+                    </a:lnT>
+                    <a:lnB w="12700" cap="flat" cmpd="sng">
+                      <a:solidFill>
+                        <a:schemeClr val="dk1"/>
+                      </a:solidFill>
+                      <a:prstDash val="solid"/>
+                      <a:round/>
+                      <a:headEnd type="none" w="sm" len="sm"/>
+                      <a:tailEnd type="none" w="sm" len="sm"/>
+                    </a:lnB>
+                    <a:solidFill>
+                      <a:schemeClr val="lt1"/>
+                    </a:solidFill>
+                  </a:tcPr>
+                </a:tc>
+                <a:extLst>
+                  <a:ext uri="{0D108BD9-81ED-4DB2-BD59-A6C34878D82A}">
+                    <a16:rowId xmlns:a16="http://schemas.microsoft.com/office/drawing/2014/main" val="10002"/>
+                  </a:ext>
+                </a:extLst>
+              </a:tr>
+            </a:tbl>
+          </a:graphicData>
+        </a:graphic>
+      </p:graphicFrame>
+      <p:graphicFrame>
+        <p:nvGraphicFramePr>
+          <p:cNvPr id="93" name="Google Shape;93;g7c553259d1_0_3"/>
+          <p:cNvGraphicFramePr/>
+          <p:nvPr/>
+        </p:nvGraphicFramePr>
+        <p:xfrm>
+          <a:off x="9309046" y="197403"/>
+          <a:ext cx="2815500" cy="320050"/>
+        </p:xfrm>
+        <a:graphic>
+          <a:graphicData uri="http://schemas.openxmlformats.org/drawingml/2006/table">
+            <a:tbl>
+              <a:tblPr firstRow="1" bandRow="1">
+                <a:noFill/>
+              </a:tblPr>
+              <a:tblGrid>
+                <a:gridCol w="1407750">
+                  <a:extLst>
+                    <a:ext uri="{9D8B030D-6E8A-4147-A177-3AD203B41FA5}">
+                      <a16:colId xmlns:a16="http://schemas.microsoft.com/office/drawing/2014/main" val="20000"/>
+                    </a:ext>
+                  </a:extLst>
+                </a:gridCol>
+                <a:gridCol w="1407750">
+                  <a:extLst>
+                    <a:ext uri="{9D8B030D-6E8A-4147-A177-3AD203B41FA5}">
+                      <a16:colId xmlns:a16="http://schemas.microsoft.com/office/drawing/2014/main" val="20001"/>
+                    </a:ext>
+                  </a:extLst>
+                </a:gridCol>
+              </a:tblGrid>
+              <a:tr h="265075">
+                <a:tc>
+                  <a:txBody>
+                    <a:bodyPr/>
+                    <a:lstStyle/>
+                    <a:p>
+                      <a:pPr marL="0" marR="0" lvl="0" indent="0" algn="ctr" rtl="0">
+                        <a:lnSpc>
+                          <a:spcPct val="100000"/>
+                        </a:lnSpc>
+                        <a:spcBef>
+                          <a:spcPts val="0"/>
+                        </a:spcBef>
+                        <a:spcAft>
+                          <a:spcPts val="0"/>
+                        </a:spcAft>
+                        <a:buClr>
+                          <a:srgbClr val="000000"/>
+                        </a:buClr>
+                        <a:buSzPts val="1500"/>
+                        <a:buFont typeface="Arial"/>
+                        <a:buNone/>
+                      </a:pPr>
+                      <a:r>
+                        <a:rPr lang="ko-KR" sz="1500" b="0" u="none" strike="noStrike" cap="none" dirty="0">
+                          <a:solidFill>
+                            <a:schemeClr val="dk1"/>
+                          </a:solidFill>
+                        </a:rPr>
+                        <a:t>화면 번호</a:t>
+                      </a:r>
+                      <a:endParaRPr sz="1500" b="0" u="none" strike="noStrike" cap="none" dirty="0">
+                        <a:solidFill>
+                          <a:schemeClr val="dk1"/>
+                        </a:solidFill>
+                      </a:endParaRPr>
+                    </a:p>
+                  </a:txBody>
+                  <a:tcPr marL="91451" marR="91451" marT="45725" marB="45725" anchor="ctr">
+                    <a:lnL w="12700" cap="flat" cmpd="sng">
+                      <a:solidFill>
+                        <a:schemeClr val="dk1"/>
+                      </a:solidFill>
+                      <a:prstDash val="solid"/>
+                      <a:round/>
+                      <a:headEnd type="none" w="sm" len="sm"/>
+                      <a:tailEnd type="none" w="sm" len="sm"/>
+                    </a:lnL>
+                    <a:lnR w="12700" cap="flat" cmpd="sng">
+                      <a:solidFill>
+                        <a:schemeClr val="dk1"/>
+                      </a:solidFill>
+                      <a:prstDash val="solid"/>
+                      <a:round/>
+                      <a:headEnd type="none" w="sm" len="sm"/>
+                      <a:tailEnd type="none" w="sm" len="sm"/>
+                    </a:lnR>
+                    <a:lnT w="12700" cap="flat" cmpd="sng">
+                      <a:solidFill>
+                        <a:schemeClr val="dk1"/>
+                      </a:solidFill>
+                      <a:prstDash val="solid"/>
+                      <a:round/>
+                      <a:headEnd type="none" w="sm" len="sm"/>
+                      <a:tailEnd type="none" w="sm" len="sm"/>
+                    </a:lnT>
+                    <a:lnB w="12700" cap="flat" cmpd="sng">
+                      <a:solidFill>
+                        <a:schemeClr val="dk1"/>
+                      </a:solidFill>
+                      <a:prstDash val="solid"/>
+                      <a:round/>
+                      <a:headEnd type="none" w="sm" len="sm"/>
+                      <a:tailEnd type="none" w="sm" len="sm"/>
+                    </a:lnB>
+                    <a:solidFill>
+                      <a:srgbClr val="D8D8D8"/>
+                    </a:solidFill>
+                  </a:tcPr>
+                </a:tc>
+                <a:tc>
+                  <a:txBody>
+                    <a:bodyPr/>
+                    <a:lstStyle/>
+                    <a:p>
+                      <a:pPr marL="0" marR="0" lvl="0" indent="0" algn="ctr" rtl="0">
+                        <a:lnSpc>
+                          <a:spcPct val="100000"/>
+                        </a:lnSpc>
+                        <a:spcBef>
+                          <a:spcPts val="0"/>
+                        </a:spcBef>
+                        <a:spcAft>
+                          <a:spcPts val="0"/>
+                        </a:spcAft>
+                        <a:buClr>
+                          <a:srgbClr val="000000"/>
+                        </a:buClr>
+                        <a:buSzPts val="1500"/>
+                        <a:buFont typeface="Arial"/>
+                        <a:buNone/>
+                      </a:pPr>
+                      <a:r>
+                        <a:rPr lang="en-US" sz="1500" b="0" u="none" strike="noStrike" cap="none" dirty="0">
+                          <a:solidFill>
+                            <a:schemeClr val="dk1"/>
+                          </a:solidFill>
+                        </a:rPr>
+                        <a:t>1</a:t>
+                      </a:r>
+                      <a:endParaRPr sz="1500" b="0" u="none" strike="noStrike" cap="none" dirty="0">
+                        <a:solidFill>
+                          <a:schemeClr val="dk1"/>
+                        </a:solidFill>
+                      </a:endParaRPr>
+                    </a:p>
+                  </a:txBody>
+                  <a:tcPr marL="91451" marR="91451" marT="45725" marB="45725" anchor="ctr">
+                    <a:lnL w="12700" cap="flat" cmpd="sng">
+                      <a:solidFill>
+                        <a:schemeClr val="dk1"/>
+                      </a:solidFill>
+                      <a:prstDash val="solid"/>
+                      <a:round/>
+                      <a:headEnd type="none" w="sm" len="sm"/>
+                      <a:tailEnd type="none" w="sm" len="sm"/>
+                    </a:lnL>
+                    <a:lnR w="12700" cap="flat" cmpd="sng">
+                      <a:solidFill>
+                        <a:schemeClr val="dk1"/>
+                      </a:solidFill>
+                      <a:prstDash val="solid"/>
+                      <a:round/>
+                      <a:headEnd type="none" w="sm" len="sm"/>
+                      <a:tailEnd type="none" w="sm" len="sm"/>
+                    </a:lnR>
+                    <a:lnT w="12700" cap="flat" cmpd="sng">
+                      <a:solidFill>
+                        <a:schemeClr val="dk1"/>
+                      </a:solidFill>
+                      <a:prstDash val="solid"/>
+                      <a:round/>
+                      <a:headEnd type="none" w="sm" len="sm"/>
+                      <a:tailEnd type="none" w="sm" len="sm"/>
+                    </a:lnT>
+                    <a:lnB w="12700" cap="flat" cmpd="sng">
+                      <a:solidFill>
+                        <a:schemeClr val="dk1"/>
+                      </a:solidFill>
+                      <a:prstDash val="solid"/>
+                      <a:round/>
+                      <a:headEnd type="none" w="sm" len="sm"/>
+                      <a:tailEnd type="none" w="sm" len="sm"/>
+                    </a:lnB>
+                    <a:solidFill>
+                      <a:schemeClr val="lt1"/>
+                    </a:solidFill>
+                  </a:tcPr>
+                </a:tc>
+                <a:extLst>
+                  <a:ext uri="{0D108BD9-81ED-4DB2-BD59-A6C34878D82A}">
+                    <a16:rowId xmlns:a16="http://schemas.microsoft.com/office/drawing/2014/main" val="10000"/>
+                  </a:ext>
+                </a:extLst>
+              </a:tr>
+            </a:tbl>
+          </a:graphicData>
+        </a:graphic>
+      </p:graphicFrame>
+      <p:graphicFrame>
+        <p:nvGraphicFramePr>
+          <p:cNvPr id="94" name="Google Shape;94;g7c553259d1_0_3"/>
+          <p:cNvGraphicFramePr/>
+          <p:nvPr/>
+        </p:nvGraphicFramePr>
+        <p:xfrm>
+          <a:off x="6200086" y="197403"/>
+          <a:ext cx="2815500" cy="320050"/>
+        </p:xfrm>
+        <a:graphic>
+          <a:graphicData uri="http://schemas.openxmlformats.org/drawingml/2006/table">
+            <a:tbl>
+              <a:tblPr firstRow="1" bandRow="1">
+                <a:noFill/>
+              </a:tblPr>
+              <a:tblGrid>
+                <a:gridCol w="1407750">
+                  <a:extLst>
+                    <a:ext uri="{9D8B030D-6E8A-4147-A177-3AD203B41FA5}">
+                      <a16:colId xmlns:a16="http://schemas.microsoft.com/office/drawing/2014/main" val="20000"/>
+                    </a:ext>
+                  </a:extLst>
+                </a:gridCol>
+                <a:gridCol w="1407750">
+                  <a:extLst>
+                    <a:ext uri="{9D8B030D-6E8A-4147-A177-3AD203B41FA5}">
+                      <a16:colId xmlns:a16="http://schemas.microsoft.com/office/drawing/2014/main" val="20001"/>
+                    </a:ext>
+                  </a:extLst>
+                </a:gridCol>
+              </a:tblGrid>
+              <a:tr h="265075">
+                <a:tc>
+                  <a:txBody>
+                    <a:bodyPr/>
+                    <a:lstStyle/>
+                    <a:p>
+                      <a:pPr marL="0" marR="0" lvl="0" indent="0" algn="ctr" rtl="0">
+                        <a:lnSpc>
+                          <a:spcPct val="100000"/>
+                        </a:lnSpc>
+                        <a:spcBef>
+                          <a:spcPts val="0"/>
+                        </a:spcBef>
+                        <a:spcAft>
+                          <a:spcPts val="0"/>
+                        </a:spcAft>
+                        <a:buClr>
+                          <a:srgbClr val="000000"/>
+                        </a:buClr>
+                        <a:buSzPts val="1500"/>
+                        <a:buFont typeface="Arial"/>
+                        <a:buNone/>
+                      </a:pPr>
+                      <a:r>
+                        <a:rPr lang="ko-KR" sz="1500" b="0" u="none" strike="noStrike" cap="none">
+                          <a:solidFill>
+                            <a:schemeClr val="dk1"/>
+                          </a:solidFill>
+                        </a:rPr>
+                        <a:t>프로젝트</a:t>
+                      </a:r>
+                      <a:endParaRPr sz="1500" b="0" u="none" strike="noStrike" cap="none">
+                        <a:solidFill>
+                          <a:schemeClr val="dk1"/>
+                        </a:solidFill>
+                      </a:endParaRPr>
+                    </a:p>
+                  </a:txBody>
+                  <a:tcPr marL="91451" marR="91451" marT="45725" marB="45725" anchor="ctr">
+                    <a:lnL w="12700" cap="flat" cmpd="sng">
+                      <a:solidFill>
+                        <a:schemeClr val="dk1"/>
+                      </a:solidFill>
+                      <a:prstDash val="solid"/>
+                      <a:round/>
+                      <a:headEnd type="none" w="sm" len="sm"/>
+                      <a:tailEnd type="none" w="sm" len="sm"/>
+                    </a:lnL>
+                    <a:lnR w="12700" cap="flat" cmpd="sng">
+                      <a:solidFill>
+                        <a:schemeClr val="dk1"/>
+                      </a:solidFill>
+                      <a:prstDash val="solid"/>
+                      <a:round/>
+                      <a:headEnd type="none" w="sm" len="sm"/>
+                      <a:tailEnd type="none" w="sm" len="sm"/>
+                    </a:lnR>
+                    <a:lnT w="12700" cap="flat" cmpd="sng">
+                      <a:solidFill>
+                        <a:schemeClr val="dk1"/>
+                      </a:solidFill>
+                      <a:prstDash val="solid"/>
+                      <a:round/>
+                      <a:headEnd type="none" w="sm" len="sm"/>
+                      <a:tailEnd type="none" w="sm" len="sm"/>
+                    </a:lnT>
+                    <a:lnB w="12700" cap="flat" cmpd="sng">
+                      <a:solidFill>
+                        <a:schemeClr val="dk1"/>
+                      </a:solidFill>
+                      <a:prstDash val="solid"/>
+                      <a:round/>
+                      <a:headEnd type="none" w="sm" len="sm"/>
+                      <a:tailEnd type="none" w="sm" len="sm"/>
+                    </a:lnB>
+                    <a:solidFill>
+                      <a:srgbClr val="D8D8D8"/>
+                    </a:solidFill>
+                  </a:tcPr>
+                </a:tc>
+                <a:tc>
+                  <a:txBody>
+                    <a:bodyPr/>
+                    <a:lstStyle/>
+                    <a:p>
+                      <a:pPr marL="0" marR="0" lvl="0" indent="0" algn="ctr" rtl="0">
+                        <a:lnSpc>
+                          <a:spcPct val="100000"/>
+                        </a:lnSpc>
+                        <a:spcBef>
+                          <a:spcPts val="0"/>
+                        </a:spcBef>
+                        <a:spcAft>
+                          <a:spcPts val="0"/>
+                        </a:spcAft>
+                        <a:buClr>
+                          <a:srgbClr val="000000"/>
+                        </a:buClr>
+                        <a:buSzPts val="1500"/>
+                        <a:buFont typeface="Arial"/>
+                        <a:buNone/>
+                      </a:pPr>
+                      <a:endParaRPr sz="1500" b="0" u="none" strike="noStrike" cap="none">
+                        <a:solidFill>
+                          <a:schemeClr val="dk1"/>
+                        </a:solidFill>
+                      </a:endParaRPr>
+                    </a:p>
+                  </a:txBody>
+                  <a:tcPr marL="91451" marR="91451" marT="45725" marB="45725" anchor="ctr">
+                    <a:lnL w="12700" cap="flat" cmpd="sng">
+                      <a:solidFill>
+                        <a:schemeClr val="dk1"/>
+                      </a:solidFill>
+                      <a:prstDash val="solid"/>
+                      <a:round/>
+                      <a:headEnd type="none" w="sm" len="sm"/>
+                      <a:tailEnd type="none" w="sm" len="sm"/>
+                    </a:lnL>
+                    <a:lnR w="12700" cap="flat" cmpd="sng">
+                      <a:solidFill>
+                        <a:schemeClr val="dk1"/>
+                      </a:solidFill>
+                      <a:prstDash val="solid"/>
+                      <a:round/>
+                      <a:headEnd type="none" w="sm" len="sm"/>
+                      <a:tailEnd type="none" w="sm" len="sm"/>
+                    </a:lnR>
+                    <a:lnT w="12700" cap="flat" cmpd="sng">
+                      <a:solidFill>
+                        <a:schemeClr val="dk1"/>
+                      </a:solidFill>
+                      <a:prstDash val="solid"/>
+                      <a:round/>
+                      <a:headEnd type="none" w="sm" len="sm"/>
+                      <a:tailEnd type="none" w="sm" len="sm"/>
+                    </a:lnT>
+                    <a:lnB w="12700" cap="flat" cmpd="sng">
+                      <a:solidFill>
+                        <a:schemeClr val="dk1"/>
+                      </a:solidFill>
+                      <a:prstDash val="solid"/>
+                      <a:round/>
+                      <a:headEnd type="none" w="sm" len="sm"/>
+                      <a:tailEnd type="none" w="sm" len="sm"/>
+                    </a:lnB>
+                    <a:solidFill>
+                      <a:schemeClr val="lt1"/>
+                    </a:solidFill>
+                  </a:tcPr>
+                </a:tc>
+                <a:extLst>
+                  <a:ext uri="{0D108BD9-81ED-4DB2-BD59-A6C34878D82A}">
+                    <a16:rowId xmlns:a16="http://schemas.microsoft.com/office/drawing/2014/main" val="10000"/>
+                  </a:ext>
+                </a:extLst>
+              </a:tr>
+            </a:tbl>
+          </a:graphicData>
+        </a:graphic>
+      </p:graphicFrame>
+      <p:graphicFrame>
+        <p:nvGraphicFramePr>
+          <p:cNvPr id="96" name="Google Shape;96;g7c553259d1_0_3"/>
+          <p:cNvGraphicFramePr/>
+          <p:nvPr>
+            <p:extLst>
+              <p:ext uri="{D42A27DB-BD31-4B8C-83A1-F6EECF244321}">
+                <p14:modId xmlns:p14="http://schemas.microsoft.com/office/powerpoint/2010/main" val="3321937053"/>
+              </p:ext>
+            </p:extLst>
+          </p:nvPr>
+        </p:nvGraphicFramePr>
+        <p:xfrm>
+          <a:off x="8843382" y="836712"/>
+          <a:ext cx="2952330" cy="1824908"/>
+        </p:xfrm>
+        <a:graphic>
+          <a:graphicData uri="http://schemas.openxmlformats.org/drawingml/2006/table">
+            <a:tbl>
+              <a:tblPr firstRow="1" bandRow="1">
+                <a:noFill/>
+              </a:tblPr>
+              <a:tblGrid>
+                <a:gridCol w="289755">
+                  <a:extLst>
+                    <a:ext uri="{9D8B030D-6E8A-4147-A177-3AD203B41FA5}">
+                      <a16:colId xmlns:a16="http://schemas.microsoft.com/office/drawing/2014/main" val="20000"/>
+                    </a:ext>
+                  </a:extLst>
+                </a:gridCol>
+                <a:gridCol w="2662575">
+                  <a:extLst>
+                    <a:ext uri="{9D8B030D-6E8A-4147-A177-3AD203B41FA5}">
+                      <a16:colId xmlns:a16="http://schemas.microsoft.com/office/drawing/2014/main" val="20001"/>
+                    </a:ext>
+                  </a:extLst>
+                </a:gridCol>
+              </a:tblGrid>
+              <a:tr h="286673">
+                <a:tc>
+                  <a:txBody>
+                    <a:bodyPr/>
+                    <a:lstStyle/>
+                    <a:p>
+                      <a:pPr marL="0" marR="0" lvl="0" indent="0" algn="ctr" rtl="0">
+                        <a:lnSpc>
+                          <a:spcPct val="100000"/>
+                        </a:lnSpc>
+                        <a:spcBef>
+                          <a:spcPts val="0"/>
+                        </a:spcBef>
+                        <a:spcAft>
+                          <a:spcPts val="0"/>
+                        </a:spcAft>
+                        <a:buClr>
+                          <a:srgbClr val="000000"/>
+                        </a:buClr>
+                        <a:buSzPts val="1500"/>
+                        <a:buFont typeface="Arial"/>
+                        <a:buNone/>
+                      </a:pPr>
+                      <a:r>
+                        <a:rPr lang="ko-KR" sz="1500" u="none" strike="noStrike" cap="none" dirty="0">
+                          <a:solidFill>
+                            <a:schemeClr val="dk1"/>
+                          </a:solidFill>
+                        </a:rPr>
+                        <a:t>#</a:t>
+                      </a:r>
+                      <a:endParaRPr sz="1500" u="none" strike="noStrike" cap="none" dirty="0">
+                        <a:solidFill>
+                          <a:schemeClr val="dk1"/>
+                        </a:solidFill>
+                      </a:endParaRPr>
+                    </a:p>
+                  </a:txBody>
+                  <a:tcPr marL="91451" marR="91451" marT="45725" marB="45725" anchor="ctr">
+                    <a:lnL w="12700" cap="flat" cmpd="sng">
+                      <a:solidFill>
+                        <a:schemeClr val="dk1"/>
+                      </a:solidFill>
+                      <a:prstDash val="solid"/>
+                      <a:round/>
+                      <a:headEnd type="none" w="sm" len="sm"/>
+                      <a:tailEnd type="none" w="sm" len="sm"/>
+                    </a:lnL>
+                    <a:lnR w="12700" cap="flat" cmpd="sng">
+                      <a:solidFill>
+                        <a:schemeClr val="dk1"/>
+                      </a:solidFill>
+                      <a:prstDash val="solid"/>
+                      <a:round/>
+                      <a:headEnd type="none" w="sm" len="sm"/>
+                      <a:tailEnd type="none" w="sm" len="sm"/>
+                    </a:lnR>
+                    <a:lnT w="12700" cap="flat" cmpd="sng">
+                      <a:solidFill>
+                        <a:schemeClr val="dk1"/>
+                      </a:solidFill>
+                      <a:prstDash val="solid"/>
+                      <a:round/>
+                      <a:headEnd type="none" w="sm" len="sm"/>
+                      <a:tailEnd type="none" w="sm" len="sm"/>
+                    </a:lnT>
+                    <a:lnB w="12700" cap="flat" cmpd="sng">
+                      <a:solidFill>
+                        <a:schemeClr val="dk1"/>
+                      </a:solidFill>
+                      <a:prstDash val="solid"/>
+                      <a:round/>
+                      <a:headEnd type="none" w="sm" len="sm"/>
+                      <a:tailEnd type="none" w="sm" len="sm"/>
+                    </a:lnB>
+                    <a:solidFill>
+                      <a:srgbClr val="D8D8D8"/>
+                    </a:solidFill>
+                  </a:tcPr>
+                </a:tc>
+                <a:tc>
+                  <a:txBody>
+                    <a:bodyPr/>
+                    <a:lstStyle/>
+                    <a:p>
+                      <a:pPr marL="0" marR="0" lvl="0" indent="0" algn="ctr" rtl="0">
+                        <a:lnSpc>
+                          <a:spcPct val="100000"/>
+                        </a:lnSpc>
+                        <a:spcBef>
+                          <a:spcPts val="0"/>
+                        </a:spcBef>
+                        <a:spcAft>
+                          <a:spcPts val="0"/>
+                        </a:spcAft>
+                        <a:buClr>
+                          <a:srgbClr val="000000"/>
+                        </a:buClr>
+                        <a:buSzPts val="1500"/>
+                        <a:buFont typeface="Arial"/>
+                        <a:buNone/>
+                      </a:pPr>
+                      <a:r>
+                        <a:rPr lang="ko-KR" sz="1500" u="none" strike="noStrike" cap="none" dirty="0" err="1">
+                          <a:solidFill>
+                            <a:schemeClr val="dk1"/>
+                          </a:solidFill>
+                        </a:rPr>
+                        <a:t>기능명</a:t>
+                      </a:r>
+                      <a:endParaRPr sz="1500" u="none" strike="noStrike" cap="none" dirty="0">
+                        <a:solidFill>
+                          <a:schemeClr val="dk1"/>
+                        </a:solidFill>
+                      </a:endParaRPr>
+                    </a:p>
+                  </a:txBody>
+                  <a:tcPr marL="91451" marR="91451" marT="45725" marB="45725" anchor="ctr">
+                    <a:lnL w="12700" cap="flat" cmpd="sng">
+                      <a:solidFill>
+                        <a:schemeClr val="dk1"/>
+                      </a:solidFill>
+                      <a:prstDash val="solid"/>
+                      <a:round/>
+                      <a:headEnd type="none" w="sm" len="sm"/>
+                      <a:tailEnd type="none" w="sm" len="sm"/>
+                    </a:lnL>
+                    <a:lnR w="12700" cap="flat" cmpd="sng">
+                      <a:solidFill>
+                        <a:schemeClr val="dk1"/>
+                      </a:solidFill>
+                      <a:prstDash val="solid"/>
+                      <a:round/>
+                      <a:headEnd type="none" w="sm" len="sm"/>
+                      <a:tailEnd type="none" w="sm" len="sm"/>
+                    </a:lnR>
+                    <a:lnT w="12700" cap="flat" cmpd="sng">
+                      <a:solidFill>
+                        <a:schemeClr val="dk1"/>
+                      </a:solidFill>
+                      <a:prstDash val="solid"/>
+                      <a:round/>
+                      <a:headEnd type="none" w="sm" len="sm"/>
+                      <a:tailEnd type="none" w="sm" len="sm"/>
+                    </a:lnT>
+                    <a:lnB w="12700" cap="flat" cmpd="sng">
+                      <a:solidFill>
+                        <a:schemeClr val="dk1"/>
+                      </a:solidFill>
+                      <a:prstDash val="solid"/>
+                      <a:round/>
+                      <a:headEnd type="none" w="sm" len="sm"/>
+                      <a:tailEnd type="none" w="sm" len="sm"/>
+                    </a:lnB>
+                    <a:solidFill>
+                      <a:srgbClr val="D8D8D8"/>
+                    </a:solidFill>
+                  </a:tcPr>
+                </a:tc>
+                <a:extLst>
+                  <a:ext uri="{0D108BD9-81ED-4DB2-BD59-A6C34878D82A}">
+                    <a16:rowId xmlns:a16="http://schemas.microsoft.com/office/drawing/2014/main" val="10000"/>
+                  </a:ext>
+                </a:extLst>
+              </a:tr>
+              <a:tr h="328022">
+                <a:tc>
+                  <a:txBody>
+                    <a:bodyPr/>
+                    <a:lstStyle/>
+                    <a:p>
+                      <a:pPr marL="0" marR="0" lvl="0" indent="0" algn="ctr" rtl="0">
+                        <a:lnSpc>
+                          <a:spcPct val="100000"/>
+                        </a:lnSpc>
+                        <a:spcBef>
+                          <a:spcPts val="0"/>
+                        </a:spcBef>
+                        <a:spcAft>
+                          <a:spcPts val="0"/>
+                        </a:spcAft>
+                        <a:buClr>
+                          <a:srgbClr val="000000"/>
+                        </a:buClr>
+                        <a:buSzPts val="1500"/>
+                        <a:buFont typeface="Arial"/>
+                        <a:buNone/>
+                      </a:pPr>
+                      <a:r>
+                        <a:rPr lang="ko-KR" sz="1500" u="none" strike="noStrike" cap="none">
+                          <a:solidFill>
+                            <a:schemeClr val="dk1"/>
+                          </a:solidFill>
+                        </a:rPr>
+                        <a:t>1</a:t>
+                      </a:r>
+                      <a:endParaRPr sz="1500" u="none" strike="noStrike" cap="none">
+                        <a:solidFill>
+                          <a:schemeClr val="dk1"/>
+                        </a:solidFill>
+                      </a:endParaRPr>
+                    </a:p>
+                  </a:txBody>
+                  <a:tcPr marL="91451" marR="91451" marT="45725" marB="45725" anchor="ctr">
+                    <a:lnL w="12700" cap="flat" cmpd="sng">
+                      <a:solidFill>
+                        <a:schemeClr val="dk1"/>
+                      </a:solidFill>
+                      <a:prstDash val="solid"/>
+                      <a:round/>
+                      <a:headEnd type="none" w="sm" len="sm"/>
+                      <a:tailEnd type="none" w="sm" len="sm"/>
+                    </a:lnL>
+                    <a:lnR w="12700" cap="flat" cmpd="sng">
+                      <a:solidFill>
+                        <a:schemeClr val="dk1"/>
+                      </a:solidFill>
+                      <a:prstDash val="solid"/>
+                      <a:round/>
+                      <a:headEnd type="none" w="sm" len="sm"/>
+                      <a:tailEnd type="none" w="sm" len="sm"/>
+                    </a:lnR>
+                    <a:lnT w="12700" cap="flat" cmpd="sng">
+                      <a:solidFill>
+                        <a:schemeClr val="dk1"/>
+                      </a:solidFill>
+                      <a:prstDash val="solid"/>
+                      <a:round/>
+                      <a:headEnd type="none" w="sm" len="sm"/>
+                      <a:tailEnd type="none" w="sm" len="sm"/>
+                    </a:lnT>
+                    <a:lnB w="12700" cap="flat" cmpd="sng">
+                      <a:solidFill>
+                        <a:schemeClr val="dk1"/>
+                      </a:solidFill>
+                      <a:prstDash val="solid"/>
+                      <a:round/>
+                      <a:headEnd type="none" w="sm" len="sm"/>
+                      <a:tailEnd type="none" w="sm" len="sm"/>
+                    </a:lnB>
+                    <a:solidFill>
+                      <a:schemeClr val="lt1"/>
+                    </a:solidFill>
+                  </a:tcPr>
+                </a:tc>
+                <a:tc>
+                  <a:txBody>
+                    <a:bodyPr/>
+                    <a:lstStyle/>
+                    <a:p>
+                      <a:pPr marL="133350" marR="0" lvl="0" indent="0" algn="l" rtl="0">
+                        <a:lnSpc>
+                          <a:spcPct val="100000"/>
+                        </a:lnSpc>
+                        <a:spcBef>
+                          <a:spcPts val="0"/>
+                        </a:spcBef>
+                        <a:spcAft>
+                          <a:spcPts val="0"/>
+                        </a:spcAft>
+                        <a:buClr>
+                          <a:srgbClr val="000000"/>
+                        </a:buClr>
+                        <a:buSzPts val="1500"/>
+                        <a:buFont typeface="Arial"/>
+                        <a:buNone/>
+                        <a:tabLst/>
+                      </a:pPr>
+                      <a:r>
+                        <a:rPr lang="ko-KR" altLang="en-US" sz="1300" b="0" u="none" strike="noStrike" cap="none" dirty="0" err="1"/>
+                        <a:t>네비게이션바</a:t>
+                      </a:r>
+                      <a:r>
+                        <a:rPr lang="ko-KR" altLang="en-US" sz="1300" b="0" u="none" strike="noStrike" cap="none" dirty="0"/>
+                        <a:t> 형식으로 공지사항</a:t>
+                      </a:r>
+                      <a:r>
+                        <a:rPr lang="en-US" altLang="ko-KR" sz="1300" b="0" u="none" strike="noStrike" cap="none" dirty="0"/>
+                        <a:t>, FAQ</a:t>
+                      </a:r>
+                      <a:r>
+                        <a:rPr lang="ko-KR" altLang="en-US" sz="1300" b="0" u="none" strike="noStrike" cap="none" dirty="0" err="1"/>
+                        <a:t>및이용가이드</a:t>
+                      </a:r>
+                      <a:r>
+                        <a:rPr lang="en-US" altLang="ko-KR" sz="1300" b="0" u="none" strike="noStrike" cap="none" dirty="0"/>
+                        <a:t>, Q&amp;A </a:t>
+                      </a:r>
+                      <a:r>
+                        <a:rPr lang="ko-KR" altLang="en-US" sz="1300" b="0" u="none" strike="noStrike" cap="none" dirty="0"/>
+                        <a:t>메뉴로 이동 가능</a:t>
+                      </a:r>
+                      <a:r>
+                        <a:rPr lang="en-US" altLang="ko-KR" sz="1300" b="0" u="none" strike="noStrike" cap="none" dirty="0"/>
+                        <a:t>.</a:t>
+                      </a:r>
+                      <a:endParaRPr sz="1300" b="0" u="none" strike="noStrike" cap="none" dirty="0"/>
+                    </a:p>
+                  </a:txBody>
+                  <a:tcPr marL="91451" marR="91451" marT="45725" marB="45725">
+                    <a:lnL w="12700" cap="flat" cmpd="sng">
+                      <a:solidFill>
+                        <a:schemeClr val="dk1"/>
+                      </a:solidFill>
+                      <a:prstDash val="solid"/>
+                      <a:round/>
+                      <a:headEnd type="none" w="sm" len="sm"/>
+                      <a:tailEnd type="none" w="sm" len="sm"/>
+                    </a:lnL>
+                    <a:lnR w="12700" cap="flat" cmpd="sng">
+                      <a:solidFill>
+                        <a:schemeClr val="dk1"/>
+                      </a:solidFill>
+                      <a:prstDash val="solid"/>
+                      <a:round/>
+                      <a:headEnd type="none" w="sm" len="sm"/>
+                      <a:tailEnd type="none" w="sm" len="sm"/>
+                    </a:lnR>
+                    <a:lnT w="12700" cap="flat" cmpd="sng">
+                      <a:solidFill>
+                        <a:schemeClr val="dk1"/>
+                      </a:solidFill>
+                      <a:prstDash val="solid"/>
+                      <a:round/>
+                      <a:headEnd type="none" w="sm" len="sm"/>
+                      <a:tailEnd type="none" w="sm" len="sm"/>
+                    </a:lnT>
+                    <a:lnB w="12700" cap="flat" cmpd="sng">
+                      <a:solidFill>
+                        <a:schemeClr val="dk1"/>
+                      </a:solidFill>
+                      <a:prstDash val="solid"/>
+                      <a:round/>
+                      <a:headEnd type="none" w="sm" len="sm"/>
+                      <a:tailEnd type="none" w="sm" len="sm"/>
+                    </a:lnB>
+                    <a:solidFill>
+                      <a:schemeClr val="lt1"/>
+                    </a:solidFill>
+                  </a:tcPr>
+                </a:tc>
+                <a:extLst>
+                  <a:ext uri="{0D108BD9-81ED-4DB2-BD59-A6C34878D82A}">
+                    <a16:rowId xmlns:a16="http://schemas.microsoft.com/office/drawing/2014/main" val="10001"/>
+                  </a:ext>
+                </a:extLst>
+              </a:tr>
+              <a:tr h="819048">
+                <a:tc>
+                  <a:txBody>
+                    <a:bodyPr/>
+                    <a:lstStyle/>
+                    <a:p>
+                      <a:pPr marL="0" marR="0" lvl="0" indent="0" algn="ctr" rtl="0">
+                        <a:lnSpc>
+                          <a:spcPct val="100000"/>
+                        </a:lnSpc>
+                        <a:spcBef>
+                          <a:spcPts val="0"/>
+                        </a:spcBef>
+                        <a:spcAft>
+                          <a:spcPts val="0"/>
+                        </a:spcAft>
+                        <a:buClr>
+                          <a:srgbClr val="000000"/>
+                        </a:buClr>
+                        <a:buSzPts val="1500"/>
+                        <a:buFont typeface="Arial"/>
+                        <a:buNone/>
+                      </a:pPr>
+                      <a:r>
+                        <a:rPr lang="ko-KR" sz="1500" u="none" strike="noStrike" cap="none" dirty="0">
+                          <a:solidFill>
+                            <a:schemeClr val="dk1"/>
+                          </a:solidFill>
+                        </a:rPr>
+                        <a:t>2</a:t>
+                      </a:r>
+                      <a:endParaRPr sz="1500" u="none" strike="noStrike" cap="none" dirty="0">
+                        <a:solidFill>
+                          <a:schemeClr val="dk1"/>
+                        </a:solidFill>
+                      </a:endParaRPr>
+                    </a:p>
+                  </a:txBody>
+                  <a:tcPr marL="91451" marR="91451" marT="45725" marB="45725" anchor="ctr">
+                    <a:lnL w="12700" cap="flat" cmpd="sng">
+                      <a:solidFill>
+                        <a:schemeClr val="dk1"/>
+                      </a:solidFill>
+                      <a:prstDash val="solid"/>
+                      <a:round/>
+                      <a:headEnd type="none" w="sm" len="sm"/>
+                      <a:tailEnd type="none" w="sm" len="sm"/>
+                    </a:lnL>
+                    <a:lnR w="12700" cap="flat" cmpd="sng">
+                      <a:solidFill>
+                        <a:schemeClr val="dk1"/>
+                      </a:solidFill>
+                      <a:prstDash val="solid"/>
+                      <a:round/>
+                      <a:headEnd type="none" w="sm" len="sm"/>
+                      <a:tailEnd type="none" w="sm" len="sm"/>
+                    </a:lnR>
+                    <a:lnT w="12700" cap="flat" cmpd="sng">
+                      <a:solidFill>
+                        <a:schemeClr val="dk1"/>
+                      </a:solidFill>
+                      <a:prstDash val="solid"/>
+                      <a:round/>
+                      <a:headEnd type="none" w="sm" len="sm"/>
+                      <a:tailEnd type="none" w="sm" len="sm"/>
+                    </a:lnT>
+                    <a:lnB w="12700" cap="flat" cmpd="sng">
+                      <a:solidFill>
+                        <a:schemeClr val="dk1"/>
+                      </a:solidFill>
+                      <a:prstDash val="solid"/>
+                      <a:round/>
+                      <a:headEnd type="none" w="sm" len="sm"/>
+                      <a:tailEnd type="none" w="sm" len="sm"/>
+                    </a:lnB>
+                    <a:solidFill>
+                      <a:schemeClr val="lt1"/>
+                    </a:solidFill>
+                  </a:tcPr>
+                </a:tc>
+                <a:tc>
+                  <a:txBody>
+                    <a:bodyPr/>
+                    <a:lstStyle/>
+                    <a:p>
+                      <a:pPr marL="133350" marR="0" lvl="0" indent="0" algn="l" rtl="0">
+                        <a:lnSpc>
+                          <a:spcPct val="100000"/>
+                        </a:lnSpc>
+                        <a:spcBef>
+                          <a:spcPts val="0"/>
+                        </a:spcBef>
+                        <a:spcAft>
+                          <a:spcPts val="0"/>
+                        </a:spcAft>
+                        <a:buClr>
+                          <a:srgbClr val="000000"/>
+                        </a:buClr>
+                        <a:buSzPts val="1500"/>
+                        <a:buFont typeface="Arial"/>
+                        <a:buNone/>
+                      </a:pPr>
+                      <a:r>
+                        <a:rPr lang="ko-KR" altLang="en-US" sz="1300" b="0" u="none" strike="noStrike" cap="none" dirty="0"/>
+                        <a:t>리스트형식으로 직관성을 높이는 이미지와 자주 묻는 질문을 나열</a:t>
+                      </a:r>
+                      <a:endParaRPr lang="en-US" altLang="ko-KR" sz="1300" b="0" u="none" strike="noStrike" cap="none" dirty="0"/>
+                    </a:p>
+                  </a:txBody>
+                  <a:tcPr marL="91451" marR="91451" marT="45725" marB="45725">
+                    <a:lnL w="12700" cap="flat" cmpd="sng">
+                      <a:solidFill>
+                        <a:schemeClr val="dk1"/>
+                      </a:solidFill>
+                      <a:prstDash val="solid"/>
+                      <a:round/>
+                      <a:headEnd type="none" w="sm" len="sm"/>
+                      <a:tailEnd type="none" w="sm" len="sm"/>
+                    </a:lnL>
+                    <a:lnR w="12700" cap="flat" cmpd="sng">
+                      <a:solidFill>
+                        <a:schemeClr val="dk1"/>
+                      </a:solidFill>
+                      <a:prstDash val="solid"/>
+                      <a:round/>
+                      <a:headEnd type="none" w="sm" len="sm"/>
+                      <a:tailEnd type="none" w="sm" len="sm"/>
+                    </a:lnR>
+                    <a:lnT w="12700" cap="flat" cmpd="sng">
+                      <a:solidFill>
+                        <a:schemeClr val="dk1"/>
+                      </a:solidFill>
+                      <a:prstDash val="solid"/>
+                      <a:round/>
+                      <a:headEnd type="none" w="sm" len="sm"/>
+                      <a:tailEnd type="none" w="sm" len="sm"/>
+                    </a:lnT>
+                    <a:lnB w="12700" cap="flat" cmpd="sng">
+                      <a:solidFill>
+                        <a:schemeClr val="dk1"/>
+                      </a:solidFill>
+                      <a:prstDash val="solid"/>
+                      <a:round/>
+                      <a:headEnd type="none" w="sm" len="sm"/>
+                      <a:tailEnd type="none" w="sm" len="sm"/>
+                    </a:lnB>
+                    <a:solidFill>
+                      <a:schemeClr val="lt1"/>
+                    </a:solidFill>
+                  </a:tcPr>
+                </a:tc>
+                <a:extLst>
+                  <a:ext uri="{0D108BD9-81ED-4DB2-BD59-A6C34878D82A}">
+                    <a16:rowId xmlns:a16="http://schemas.microsoft.com/office/drawing/2014/main" val="10002"/>
+                  </a:ext>
+                </a:extLst>
+              </a:tr>
+            </a:tbl>
+          </a:graphicData>
+        </a:graphic>
+      </p:graphicFrame>
+      <p:sp>
+        <p:nvSpPr>
+          <p:cNvPr id="15" name="직사각형 14">
+            <a:extLst>
+              <a:ext uri="{FF2B5EF4-FFF2-40B4-BE49-F238E27FC236}">
+                <a16:creationId xmlns:a16="http://schemas.microsoft.com/office/drawing/2014/main" id="{06B9605B-91E5-4F5A-9D81-B635916AF51D}"/>
+              </a:ext>
+            </a:extLst>
+          </p:cNvPr>
+          <p:cNvSpPr/>
+          <p:nvPr/>
+        </p:nvSpPr>
+        <p:spPr>
+          <a:xfrm>
+            <a:off x="1509195" y="1813466"/>
+            <a:ext cx="289014" cy="216024"/>
+          </a:xfrm>
+          <a:prstGeom prst="rect">
+            <a:avLst/>
+          </a:prstGeom>
+          <a:solidFill>
+            <a:srgbClr val="FF0000"/>
+          </a:solidFill>
+          <a:ln>
+            <a:solidFill>
+              <a:schemeClr val="tx1"/>
+            </a:solidFill>
+          </a:ln>
+        </p:spPr>
+        <p:style>
+          <a:lnRef idx="2">
+            <a:schemeClr val="accent1">
+              <a:shade val="50000"/>
+            </a:schemeClr>
+          </a:lnRef>
+          <a:fillRef idx="1">
+            <a:schemeClr val="accent1"/>
+          </a:fillRef>
+          <a:effectRef idx="0">
+            <a:schemeClr val="accent1"/>
+          </a:effectRef>
+          <a:fontRef idx="minor">
+            <a:schemeClr val="lt1"/>
+          </a:fontRef>
+        </p:style>
+        <p:txBody>
+          <a:bodyPr rtlCol="0" anchor="ctr"/>
+          <a:lstStyle/>
+          <a:p>
+            <a:pPr algn="ctr"/>
+            <a:r>
+              <a:rPr lang="en-US" altLang="ko-KR" sz="1200" dirty="0">
+                <a:solidFill>
+                  <a:schemeClr val="tx1"/>
+                </a:solidFill>
+              </a:rPr>
+              <a:t>1</a:t>
+            </a:r>
+            <a:endParaRPr lang="ko-KR" altLang="en-US" sz="1200" dirty="0">
+              <a:solidFill>
+                <a:schemeClr val="tx1"/>
+              </a:solidFill>
+            </a:endParaRPr>
+          </a:p>
+        </p:txBody>
+      </p:sp>
+      <p:sp>
+        <p:nvSpPr>
+          <p:cNvPr id="16" name="직사각형 15">
+            <a:extLst>
+              <a:ext uri="{FF2B5EF4-FFF2-40B4-BE49-F238E27FC236}">
+                <a16:creationId xmlns:a16="http://schemas.microsoft.com/office/drawing/2014/main" id="{2E21CDDF-8313-47A0-A7BF-E504F47BE1A8}"/>
+              </a:ext>
+            </a:extLst>
+          </p:cNvPr>
+          <p:cNvSpPr/>
+          <p:nvPr/>
+        </p:nvSpPr>
+        <p:spPr>
+          <a:xfrm>
+            <a:off x="1534922" y="2375332"/>
+            <a:ext cx="289014" cy="216024"/>
+          </a:xfrm>
+          <a:prstGeom prst="rect">
+            <a:avLst/>
+          </a:prstGeom>
+          <a:solidFill>
+            <a:srgbClr val="FF0000"/>
+          </a:solidFill>
+          <a:ln>
+            <a:solidFill>
+              <a:schemeClr val="tx1"/>
+            </a:solidFill>
+          </a:ln>
+        </p:spPr>
+        <p:style>
+          <a:lnRef idx="2">
+            <a:schemeClr val="accent1">
+              <a:shade val="50000"/>
+            </a:schemeClr>
+          </a:lnRef>
+          <a:fillRef idx="1">
+            <a:schemeClr val="accent1"/>
+          </a:fillRef>
+          <a:effectRef idx="0">
+            <a:schemeClr val="accent1"/>
+          </a:effectRef>
+          <a:fontRef idx="minor">
+            <a:schemeClr val="lt1"/>
+          </a:fontRef>
+        </p:style>
+        <p:txBody>
+          <a:bodyPr rtlCol="0" anchor="ctr"/>
+          <a:lstStyle/>
+          <a:p>
+            <a:pPr algn="ctr"/>
+            <a:r>
+              <a:rPr lang="en-US" altLang="ko-KR" sz="1200" dirty="0">
+                <a:solidFill>
+                  <a:schemeClr val="tx1"/>
+                </a:solidFill>
+              </a:rPr>
+              <a:t>2</a:t>
+            </a:r>
+            <a:endParaRPr lang="ko-KR" altLang="en-US" sz="1200" dirty="0">
+              <a:solidFill>
+                <a:schemeClr val="tx1"/>
+              </a:solidFill>
+            </a:endParaRPr>
+          </a:p>
+        </p:txBody>
+      </p:sp>
+      <p:sp>
+        <p:nvSpPr>
+          <p:cNvPr id="2" name="직사각형 1">
+            <a:extLst>
+              <a:ext uri="{FF2B5EF4-FFF2-40B4-BE49-F238E27FC236}">
+                <a16:creationId xmlns:a16="http://schemas.microsoft.com/office/drawing/2014/main" id="{3583DFAB-FA52-4117-A25D-87E61E2C8F04}"/>
+              </a:ext>
+            </a:extLst>
+          </p:cNvPr>
+          <p:cNvSpPr/>
+          <p:nvPr/>
+        </p:nvSpPr>
+        <p:spPr>
+          <a:xfrm>
+            <a:off x="1848255" y="1344682"/>
+            <a:ext cx="3424136" cy="5095028"/>
+          </a:xfrm>
+          <a:prstGeom prst="rect">
+            <a:avLst/>
+          </a:prstGeom>
+          <a:noFill/>
+          <a:ln>
+            <a:solidFill>
+              <a:schemeClr val="tx1"/>
+            </a:solidFill>
+          </a:ln>
+        </p:spPr>
+        <p:style>
+          <a:lnRef idx="2">
+            <a:schemeClr val="accent1">
+              <a:shade val="50000"/>
+            </a:schemeClr>
+          </a:lnRef>
+          <a:fillRef idx="1">
+            <a:schemeClr val="accent1"/>
+          </a:fillRef>
+          <a:effectRef idx="0">
+            <a:schemeClr val="accent1"/>
+          </a:effectRef>
+          <a:fontRef idx="minor">
+            <a:schemeClr val="lt1"/>
+          </a:fontRef>
+        </p:style>
+        <p:txBody>
+          <a:bodyPr rtlCol="0" anchor="ctr"/>
+          <a:lstStyle/>
+          <a:p>
+            <a:pPr algn="ctr"/>
+            <a:endParaRPr lang="ko-KR" altLang="en-US"/>
+          </a:p>
+        </p:txBody>
+      </p:sp>
+      <p:sp>
+        <p:nvSpPr>
+          <p:cNvPr id="4" name="TextBox 3">
+            <a:extLst>
+              <a:ext uri="{FF2B5EF4-FFF2-40B4-BE49-F238E27FC236}">
+                <a16:creationId xmlns:a16="http://schemas.microsoft.com/office/drawing/2014/main" id="{BF05DCEE-ACA1-442E-8E42-F2564E380827}"/>
+              </a:ext>
+            </a:extLst>
+          </p:cNvPr>
+          <p:cNvSpPr txBox="1"/>
+          <p:nvPr/>
+        </p:nvSpPr>
+        <p:spPr>
+          <a:xfrm>
+            <a:off x="2548646" y="1415991"/>
+            <a:ext cx="3326860" cy="369332"/>
+          </a:xfrm>
+          <a:prstGeom prst="rect">
+            <a:avLst/>
+          </a:prstGeom>
+          <a:noFill/>
+        </p:spPr>
+        <p:txBody>
+          <a:bodyPr wrap="square" rtlCol="0">
+            <a:spAutoFit/>
+          </a:bodyPr>
+          <a:lstStyle/>
+          <a:p>
+            <a:r>
+              <a:rPr lang="en-US" altLang="ko-KR" dirty="0"/>
+              <a:t>FAQ</a:t>
+            </a:r>
+            <a:r>
+              <a:rPr lang="ko-KR" altLang="en-US" dirty="0" err="1"/>
+              <a:t>및이용가이드</a:t>
+            </a:r>
+            <a:r>
+              <a:rPr lang="ko-KR" altLang="en-US" dirty="0"/>
+              <a:t>      </a:t>
+            </a:r>
+            <a:r>
+              <a:rPr lang="en-US" altLang="ko-KR" dirty="0"/>
+              <a:t>X</a:t>
+            </a:r>
+            <a:r>
+              <a:rPr lang="ko-KR" altLang="en-US" dirty="0"/>
+              <a:t> </a:t>
+            </a:r>
+          </a:p>
+        </p:txBody>
+      </p:sp>
+      <p:sp>
+        <p:nvSpPr>
+          <p:cNvPr id="5" name="TextBox 4">
+            <a:extLst>
+              <a:ext uri="{FF2B5EF4-FFF2-40B4-BE49-F238E27FC236}">
+                <a16:creationId xmlns:a16="http://schemas.microsoft.com/office/drawing/2014/main" id="{FEA8DA48-533F-467B-89FD-01650E130364}"/>
+              </a:ext>
+            </a:extLst>
+          </p:cNvPr>
+          <p:cNvSpPr txBox="1"/>
+          <p:nvPr/>
+        </p:nvSpPr>
+        <p:spPr>
+          <a:xfrm>
+            <a:off x="1896893" y="1943739"/>
+            <a:ext cx="3326860" cy="276999"/>
+          </a:xfrm>
+          <a:prstGeom prst="rect">
+            <a:avLst/>
+          </a:prstGeom>
+          <a:noFill/>
+        </p:spPr>
+        <p:txBody>
+          <a:bodyPr wrap="square" rtlCol="0">
+            <a:spAutoFit/>
+          </a:bodyPr>
+          <a:lstStyle/>
+          <a:p>
+            <a:pPr algn="ctr"/>
+            <a:r>
+              <a:rPr lang="ko-KR" altLang="en-US" sz="1200" dirty="0"/>
+              <a:t>공지사항   </a:t>
+            </a:r>
+            <a:r>
+              <a:rPr lang="en-US" altLang="ko-KR" sz="1200" dirty="0">
+                <a:solidFill>
+                  <a:srgbClr val="FF0000"/>
+                </a:solidFill>
+              </a:rPr>
+              <a:t>FAQ</a:t>
+            </a:r>
+            <a:r>
+              <a:rPr lang="ko-KR" altLang="en-US" sz="1200" dirty="0" err="1">
+                <a:solidFill>
+                  <a:srgbClr val="FF0000"/>
+                </a:solidFill>
+              </a:rPr>
+              <a:t>및이용가이드</a:t>
+            </a:r>
+            <a:r>
+              <a:rPr lang="ko-KR" altLang="en-US" sz="1200" dirty="0">
+                <a:solidFill>
+                  <a:srgbClr val="FF0000"/>
+                </a:solidFill>
+              </a:rPr>
+              <a:t>    </a:t>
+            </a:r>
+            <a:r>
+              <a:rPr lang="en-US" altLang="ko-KR" sz="1200" dirty="0"/>
+              <a:t>Q&amp;A(1:1</a:t>
+            </a:r>
+            <a:r>
+              <a:rPr lang="ko-KR" altLang="en-US" sz="1200" dirty="0"/>
+              <a:t>문의</a:t>
+            </a:r>
+            <a:r>
+              <a:rPr lang="en-US" altLang="ko-KR" sz="1200" dirty="0"/>
+              <a:t>)</a:t>
+            </a:r>
+            <a:endParaRPr lang="ko-KR" altLang="en-US" dirty="0"/>
+          </a:p>
+        </p:txBody>
+      </p:sp>
+      <p:cxnSp>
+        <p:nvCxnSpPr>
+          <p:cNvPr id="7" name="직선 연결선 6">
+            <a:extLst>
+              <a:ext uri="{FF2B5EF4-FFF2-40B4-BE49-F238E27FC236}">
+                <a16:creationId xmlns:a16="http://schemas.microsoft.com/office/drawing/2014/main" id="{2788A9E0-ED7F-468D-ABB0-16DAD77B0CC6}"/>
+              </a:ext>
+            </a:extLst>
+          </p:cNvPr>
+          <p:cNvCxnSpPr/>
+          <p:nvPr/>
+        </p:nvCxnSpPr>
+        <p:spPr>
+          <a:xfrm>
+            <a:off x="1945533" y="2354092"/>
+            <a:ext cx="3180945" cy="0"/>
+          </a:xfrm>
+          <a:prstGeom prst="line">
+            <a:avLst/>
+          </a:prstGeom>
+          <a:ln>
+            <a:solidFill>
+              <a:schemeClr val="tx1"/>
+            </a:solidFill>
+          </a:ln>
+        </p:spPr>
+        <p:style>
+          <a:lnRef idx="1">
+            <a:schemeClr val="accent1"/>
+          </a:lnRef>
+          <a:fillRef idx="0">
+            <a:schemeClr val="accent1"/>
+          </a:fillRef>
+          <a:effectRef idx="0">
+            <a:schemeClr val="accent1"/>
+          </a:effectRef>
+          <a:fontRef idx="minor">
+            <a:schemeClr val="tx1"/>
+          </a:fontRef>
+        </p:style>
+      </p:cxnSp>
+      <p:pic>
+        <p:nvPicPr>
+          <p:cNvPr id="3" name="그림 2">
+            <a:extLst>
+              <a:ext uri="{FF2B5EF4-FFF2-40B4-BE49-F238E27FC236}">
+                <a16:creationId xmlns:a16="http://schemas.microsoft.com/office/drawing/2014/main" id="{89F60404-9A2E-404A-89C4-1A17238A8018}"/>
+              </a:ext>
+            </a:extLst>
+          </p:cNvPr>
+          <p:cNvPicPr>
+            <a:picLocks noChangeAspect="1"/>
+          </p:cNvPicPr>
+          <p:nvPr/>
+        </p:nvPicPr>
+        <p:blipFill>
+          <a:blip r:embed="rId3"/>
+          <a:stretch>
+            <a:fillRect/>
+          </a:stretch>
+        </p:blipFill>
+        <p:spPr>
+          <a:xfrm>
+            <a:off x="1896893" y="2383309"/>
+            <a:ext cx="3345478" cy="4027185"/>
+          </a:xfrm>
+          <a:prstGeom prst="rect">
+            <a:avLst/>
+          </a:prstGeom>
+        </p:spPr>
+      </p:pic>
+    </p:spTree>
+    <p:extLst>
+      <p:ext uri="{BB962C8B-B14F-4D97-AF65-F5344CB8AC3E}">
+        <p14:creationId xmlns:p14="http://schemas.microsoft.com/office/powerpoint/2010/main" val="555609840"/>
       </p:ext>
     </p:extLst>
   </p:cSld>
